--- a/NC12/Documenti/Presentazione NC12.pptx
+++ b/NC12/Documenti/Presentazione NC12.pptx
@@ -15,6 +15,8 @@
     <p:sldId id="263" r:id="rId9"/>
     <p:sldId id="264" r:id="rId10"/>
     <p:sldId id="265" r:id="rId11"/>
+    <p:sldId id="266" r:id="rId12"/>
+    <p:sldId id="267" r:id="rId13"/>
   </p:sldIdLst>
   <p:sldSz cx="12192000" cy="6858000"/>
   <p:notesSz cx="6858000" cy="9144000"/>
@@ -279,7 +281,7 @@
           <a:p>
             <a:fld id="{655A5808-3B61-48CC-92EF-85AC2E0DFA56}" type="datetime2">
               <a:rPr lang="en-US" smtClean="0"/>
-              <a:t>Tuesday, February 16, 2021</a:t>
+              <a:t>Wednesday, February 17, 2021</a:t>
             </a:fld>
             <a:endParaRPr lang="en-US"/>
           </a:p>
@@ -477,7 +479,7 @@
           <a:p>
             <a:fld id="{735E98AF-4574-4509-BF7A-519ACD5BF826}" type="datetime2">
               <a:rPr lang="en-US" smtClean="0"/>
-              <a:t>Tuesday, February 16, 2021</a:t>
+              <a:t>Wednesday, February 17, 2021</a:t>
             </a:fld>
             <a:endParaRPr lang="en-US"/>
           </a:p>
@@ -687,7 +689,7 @@
           <a:p>
             <a:fld id="{93DD97D4-9636-490F-85D0-E926C2B6F3B1}" type="datetime2">
               <a:rPr lang="en-US" smtClean="0"/>
-              <a:t>Tuesday, February 16, 2021</a:t>
+              <a:t>Wednesday, February 17, 2021</a:t>
             </a:fld>
             <a:endParaRPr lang="en-US"/>
           </a:p>
@@ -886,7 +888,7 @@
           <a:p>
             <a:fld id="{2F3AF3C6-0FD4-4939-991C-00DDE5C56815}" type="datetime2">
               <a:rPr lang="en-US" smtClean="0"/>
-              <a:t>Tuesday, February 16, 2021</a:t>
+              <a:t>Wednesday, February 17, 2021</a:t>
             </a:fld>
             <a:endParaRPr lang="en-US"/>
           </a:p>
@@ -1167,7 +1169,7 @@
           <a:p>
             <a:fld id="{86807482-8128-47C6-A8DD-6452B0291CFF}" type="datetime2">
               <a:rPr lang="en-US" smtClean="0"/>
-              <a:t>Tuesday, February 16, 2021</a:t>
+              <a:t>Wednesday, February 17, 2021</a:t>
             </a:fld>
             <a:endParaRPr lang="en-US"/>
           </a:p>
@@ -1435,7 +1437,7 @@
           <a:p>
             <a:fld id="{37903F25-275E-41DE-BE3B-EBF0DB49F9B1}" type="datetime2">
               <a:rPr lang="en-US" smtClean="0"/>
-              <a:t>Tuesday, February 16, 2021</a:t>
+              <a:t>Wednesday, February 17, 2021</a:t>
             </a:fld>
             <a:endParaRPr lang="en-US"/>
           </a:p>
@@ -1816,7 +1818,7 @@
           <a:p>
             <a:fld id="{EE475572-4A44-4171-84AA-64D42C8050A6}" type="datetime2">
               <a:rPr lang="en-US" smtClean="0"/>
-              <a:t>Tuesday, February 16, 2021</a:t>
+              <a:t>Wednesday, February 17, 2021</a:t>
             </a:fld>
             <a:endParaRPr lang="en-US"/>
           </a:p>
@@ -1986,7 +1988,7 @@
           <a:p>
             <a:fld id="{C4C1612E-528E-4FD5-9E9E-E15F1108F171}" type="datetime2">
               <a:rPr lang="en-US" smtClean="0"/>
-              <a:t>Tuesday, February 16, 2021</a:t>
+              <a:t>Wednesday, February 17, 2021</a:t>
             </a:fld>
             <a:endParaRPr lang="en-US"/>
           </a:p>
@@ -2099,7 +2101,7 @@
           <a:p>
             <a:fld id="{D4F6D862-A06D-436F-A92E-EBAAD50B6E50}" type="datetime2">
               <a:rPr lang="en-US" smtClean="0"/>
-              <a:t>Tuesday, February 16, 2021</a:t>
+              <a:t>Wednesday, February 17, 2021</a:t>
             </a:fld>
             <a:endParaRPr lang="en-US"/>
           </a:p>
@@ -2416,7 +2418,7 @@
           <a:p>
             <a:fld id="{B73E0B7D-2260-4809-8F0A-9E5F3E24F169}" type="datetime2">
               <a:rPr lang="en-US" smtClean="0"/>
-              <a:t>Tuesday, February 16, 2021</a:t>
+              <a:t>Wednesday, February 17, 2021</a:t>
             </a:fld>
             <a:endParaRPr lang="en-US"/>
           </a:p>
@@ -2708,7 +2710,7 @@
           <a:p>
             <a:fld id="{3C8E4735-C637-46A3-94EB-AB3AC4188D2F}" type="datetime2">
               <a:rPr lang="en-US" smtClean="0"/>
-              <a:t>Tuesday, February 16, 2021</a:t>
+              <a:t>Wednesday, February 17, 2021</a:t>
             </a:fld>
             <a:endParaRPr lang="en-US"/>
           </a:p>
@@ -3076,7 +3078,7 @@
             <a:fld id="{AE0C963C-C1DB-4AFD-9DDC-0691666BF49B}" type="datetime2">
               <a:rPr lang="en-US" smtClean="0"/>
               <a:pPr/>
-              <a:t>Tuesday, February 16, 2021</a:t>
+              <a:t>Wednesday, February 17, 2021</a:t>
             </a:fld>
             <a:endParaRPr lang="en-US" cap="all" dirty="0"/>
           </a:p>
@@ -4130,10 +4132,392 @@
           </a:prstGeom>
         </p:spPr>
       </p:pic>
+      <p:sp>
+        <p:nvSpPr>
+          <p:cNvPr id="4" name="CasellaDiTesto 3">
+            <a:extLst>
+              <a:ext uri="{FF2B5EF4-FFF2-40B4-BE49-F238E27FC236}">
+                <a16:creationId xmlns:a16="http://schemas.microsoft.com/office/drawing/2014/main" id="{5E49329D-A38A-40A8-95EF-CEC22019273A}"/>
+              </a:ext>
+            </a:extLst>
+          </p:cNvPr>
+          <p:cNvSpPr txBox="1"/>
+          <p:nvPr/>
+        </p:nvSpPr>
+        <p:spPr>
+          <a:xfrm>
+            <a:off x="2942254" y="827509"/>
+            <a:ext cx="8523299" cy="646331"/>
+          </a:xfrm>
+          <a:prstGeom prst="rect">
+            <a:avLst/>
+          </a:prstGeom>
+          <a:noFill/>
+        </p:spPr>
+        <p:txBody>
+          <a:bodyPr wrap="square" rtlCol="0">
+            <a:spAutoFit/>
+          </a:bodyPr>
+          <a:lstStyle/>
+          <a:p>
+            <a:r>
+              <a:rPr lang="it-IT" dirty="0"/>
+              <a:t>Ora mostriamo lo sviluppo del testing prendendo in considerazione il requisito della richiesta di prenotazione</a:t>
+            </a:r>
+          </a:p>
+        </p:txBody>
+      </p:sp>
+      <p:pic>
+        <p:nvPicPr>
+          <p:cNvPr id="13" name="Immagine 12" descr="Immagine che contiene tavolo&#10;&#10;Descrizione generata automaticamente">
+            <a:extLst>
+              <a:ext uri="{FF2B5EF4-FFF2-40B4-BE49-F238E27FC236}">
+                <a16:creationId xmlns:a16="http://schemas.microsoft.com/office/drawing/2014/main" id="{CFDDBC3C-3257-4B94-8C12-A6F7E75D84C2}"/>
+              </a:ext>
+            </a:extLst>
+          </p:cNvPr>
+          <p:cNvPicPr>
+            <a:picLocks noChangeAspect="1"/>
+          </p:cNvPicPr>
+          <p:nvPr/>
+        </p:nvPicPr>
+        <p:blipFill>
+          <a:blip r:embed="rId3">
+            <a:extLst>
+              <a:ext uri="{28A0092B-C50C-407E-A947-70E740481C1C}">
+                <a14:useLocalDpi xmlns:a14="http://schemas.microsoft.com/office/drawing/2010/main" val="0"/>
+              </a:ext>
+            </a:extLst>
+          </a:blip>
+          <a:stretch>
+            <a:fillRect/>
+          </a:stretch>
+        </p:blipFill>
+        <p:spPr>
+          <a:xfrm>
+            <a:off x="140840" y="1564428"/>
+            <a:ext cx="5602827" cy="2239401"/>
+          </a:xfrm>
+          <a:prstGeom prst="rect">
+            <a:avLst/>
+          </a:prstGeom>
+        </p:spPr>
+      </p:pic>
+      <p:pic>
+        <p:nvPicPr>
+          <p:cNvPr id="9" name="Immagine 8" descr="Immagine che contiene testo, tavolo&#10;&#10;Descrizione generata automaticamente">
+            <a:extLst>
+              <a:ext uri="{FF2B5EF4-FFF2-40B4-BE49-F238E27FC236}">
+                <a16:creationId xmlns:a16="http://schemas.microsoft.com/office/drawing/2014/main" id="{A4AC6E3B-4821-4BC5-8B5D-60B7F9BC9E72}"/>
+              </a:ext>
+            </a:extLst>
+          </p:cNvPr>
+          <p:cNvPicPr>
+            <a:picLocks noChangeAspect="1"/>
+          </p:cNvPicPr>
+          <p:nvPr/>
+        </p:nvPicPr>
+        <p:blipFill>
+          <a:blip r:embed="rId4">
+            <a:extLst>
+              <a:ext uri="{28A0092B-C50C-407E-A947-70E740481C1C}">
+                <a14:useLocalDpi xmlns:a14="http://schemas.microsoft.com/office/drawing/2010/main" val="0"/>
+              </a:ext>
+            </a:extLst>
+          </a:blip>
+          <a:stretch>
+            <a:fillRect/>
+          </a:stretch>
+        </p:blipFill>
+        <p:spPr>
+          <a:xfrm>
+            <a:off x="5309714" y="3429000"/>
+            <a:ext cx="5602826" cy="2173585"/>
+          </a:xfrm>
+          <a:prstGeom prst="rect">
+            <a:avLst/>
+          </a:prstGeom>
+        </p:spPr>
+      </p:pic>
     </p:spTree>
     <p:extLst>
       <p:ext uri="{BB962C8B-B14F-4D97-AF65-F5344CB8AC3E}">
         <p14:creationId xmlns:p14="http://schemas.microsoft.com/office/powerpoint/2010/main" val="310353141"/>
+      </p:ext>
+    </p:extLst>
+  </p:cSld>
+  <p:clrMapOvr>
+    <a:masterClrMapping/>
+  </p:clrMapOvr>
+</p:sld>
+</file>
+
+<file path=ppt/slides/slide11.xml><?xml version="1.0" encoding="utf-8"?>
+<p:sld xmlns:a="http://schemas.openxmlformats.org/drawingml/2006/main" xmlns:r="http://schemas.openxmlformats.org/officeDocument/2006/relationships" xmlns:p="http://schemas.openxmlformats.org/presentationml/2006/main">
+  <p:cSld>
+    <p:spTree>
+      <p:nvGrpSpPr>
+        <p:cNvPr id="1" name=""/>
+        <p:cNvGrpSpPr/>
+        <p:nvPr/>
+      </p:nvGrpSpPr>
+      <p:grpSpPr>
+        <a:xfrm>
+          <a:off x="0" y="0"/>
+          <a:ext cx="0" cy="0"/>
+          <a:chOff x="0" y="0"/>
+          <a:chExt cx="0" cy="0"/>
+        </a:xfrm>
+      </p:grpSpPr>
+      <p:pic>
+        <p:nvPicPr>
+          <p:cNvPr id="5" name="Immagine 4">
+            <a:extLst>
+              <a:ext uri="{FF2B5EF4-FFF2-40B4-BE49-F238E27FC236}">
+                <a16:creationId xmlns:a16="http://schemas.microsoft.com/office/drawing/2014/main" id="{7AB99243-D4D8-4F60-BB57-E105D927D37D}"/>
+              </a:ext>
+            </a:extLst>
+          </p:cNvPr>
+          <p:cNvPicPr>
+            <a:picLocks noChangeAspect="1"/>
+          </p:cNvPicPr>
+          <p:nvPr/>
+        </p:nvPicPr>
+        <p:blipFill>
+          <a:blip r:embed="rId2">
+            <a:extLst>
+              <a:ext uri="{28A0092B-C50C-407E-A947-70E740481C1C}">
+                <a14:useLocalDpi xmlns:a14="http://schemas.microsoft.com/office/drawing/2010/main" val="0"/>
+              </a:ext>
+            </a:extLst>
+          </a:blip>
+          <a:stretch>
+            <a:fillRect/>
+          </a:stretch>
+        </p:blipFill>
+        <p:spPr>
+          <a:xfrm>
+            <a:off x="2" y="1"/>
+            <a:ext cx="2942252" cy="1655016"/>
+          </a:xfrm>
+          <a:prstGeom prst="rect">
+            <a:avLst/>
+          </a:prstGeom>
+        </p:spPr>
+      </p:pic>
+      <p:pic>
+        <p:nvPicPr>
+          <p:cNvPr id="3" name="Immagine 2">
+            <a:extLst>
+              <a:ext uri="{FF2B5EF4-FFF2-40B4-BE49-F238E27FC236}">
+                <a16:creationId xmlns:a16="http://schemas.microsoft.com/office/drawing/2014/main" id="{212EE742-05F1-4113-9C50-E2AE891F2934}"/>
+              </a:ext>
+            </a:extLst>
+          </p:cNvPr>
+          <p:cNvPicPr>
+            <a:picLocks noChangeAspect="1"/>
+          </p:cNvPicPr>
+          <p:nvPr/>
+        </p:nvPicPr>
+        <p:blipFill>
+          <a:blip r:embed="rId3">
+            <a:extLst>
+              <a:ext uri="{28A0092B-C50C-407E-A947-70E740481C1C}">
+                <a14:useLocalDpi xmlns:a14="http://schemas.microsoft.com/office/drawing/2010/main" val="0"/>
+              </a:ext>
+            </a:extLst>
+          </a:blip>
+          <a:stretch>
+            <a:fillRect/>
+          </a:stretch>
+        </p:blipFill>
+        <p:spPr>
+          <a:xfrm>
+            <a:off x="4150895" y="575921"/>
+            <a:ext cx="6833779" cy="5706158"/>
+          </a:xfrm>
+          <a:prstGeom prst="rect">
+            <a:avLst/>
+          </a:prstGeom>
+        </p:spPr>
+      </p:pic>
+    </p:spTree>
+    <p:extLst>
+      <p:ext uri="{BB962C8B-B14F-4D97-AF65-F5344CB8AC3E}">
+        <p14:creationId xmlns:p14="http://schemas.microsoft.com/office/powerpoint/2010/main" val="844996730"/>
+      </p:ext>
+    </p:extLst>
+  </p:cSld>
+  <p:clrMapOvr>
+    <a:masterClrMapping/>
+  </p:clrMapOvr>
+</p:sld>
+</file>
+
+<file path=ppt/slides/slide12.xml><?xml version="1.0" encoding="utf-8"?>
+<p:sld xmlns:a="http://schemas.openxmlformats.org/drawingml/2006/main" xmlns:r="http://schemas.openxmlformats.org/officeDocument/2006/relationships" xmlns:p="http://schemas.openxmlformats.org/presentationml/2006/main">
+  <p:cSld>
+    <p:spTree>
+      <p:nvGrpSpPr>
+        <p:cNvPr id="1" name=""/>
+        <p:cNvGrpSpPr/>
+        <p:nvPr/>
+      </p:nvGrpSpPr>
+      <p:grpSpPr>
+        <a:xfrm>
+          <a:off x="0" y="0"/>
+          <a:ext cx="0" cy="0"/>
+          <a:chOff x="0" y="0"/>
+          <a:chExt cx="0" cy="0"/>
+        </a:xfrm>
+      </p:grpSpPr>
+      <p:pic>
+        <p:nvPicPr>
+          <p:cNvPr id="5" name="Immagine 4">
+            <a:extLst>
+              <a:ext uri="{FF2B5EF4-FFF2-40B4-BE49-F238E27FC236}">
+                <a16:creationId xmlns:a16="http://schemas.microsoft.com/office/drawing/2014/main" id="{7AB99243-D4D8-4F60-BB57-E105D927D37D}"/>
+              </a:ext>
+            </a:extLst>
+          </p:cNvPr>
+          <p:cNvPicPr>
+            <a:picLocks noChangeAspect="1"/>
+          </p:cNvPicPr>
+          <p:nvPr/>
+        </p:nvPicPr>
+        <p:blipFill>
+          <a:blip r:embed="rId2">
+            <a:extLst>
+              <a:ext uri="{28A0092B-C50C-407E-A947-70E740481C1C}">
+                <a14:useLocalDpi xmlns:a14="http://schemas.microsoft.com/office/drawing/2010/main" val="0"/>
+              </a:ext>
+            </a:extLst>
+          </a:blip>
+          <a:stretch>
+            <a:fillRect/>
+          </a:stretch>
+        </p:blipFill>
+        <p:spPr>
+          <a:xfrm>
+            <a:off x="2" y="1"/>
+            <a:ext cx="2942252" cy="1655016"/>
+          </a:xfrm>
+          <a:prstGeom prst="rect">
+            <a:avLst/>
+          </a:prstGeom>
+        </p:spPr>
+      </p:pic>
+      <p:sp>
+        <p:nvSpPr>
+          <p:cNvPr id="2" name="CasellaDiTesto 1">
+            <a:extLst>
+              <a:ext uri="{FF2B5EF4-FFF2-40B4-BE49-F238E27FC236}">
+                <a16:creationId xmlns:a16="http://schemas.microsoft.com/office/drawing/2014/main" id="{EB9E4ABF-B1E7-4EBC-9ADE-14B64F239731}"/>
+              </a:ext>
+            </a:extLst>
+          </p:cNvPr>
+          <p:cNvSpPr txBox="1"/>
+          <p:nvPr/>
+        </p:nvSpPr>
+        <p:spPr>
+          <a:xfrm>
+            <a:off x="3258938" y="1715946"/>
+            <a:ext cx="5674122" cy="523220"/>
+          </a:xfrm>
+          <a:prstGeom prst="rect">
+            <a:avLst/>
+          </a:prstGeom>
+          <a:noFill/>
+        </p:spPr>
+        <p:txBody>
+          <a:bodyPr wrap="square" rtlCol="0">
+            <a:spAutoFit/>
+          </a:bodyPr>
+          <a:lstStyle/>
+          <a:p>
+            <a:r>
+              <a:rPr lang="it-IT" sz="2800" b="1" dirty="0"/>
+              <a:t>Grazie per la vostra attenzione!</a:t>
+            </a:r>
+          </a:p>
+        </p:txBody>
+      </p:sp>
+      <p:pic>
+        <p:nvPicPr>
+          <p:cNvPr id="6" name="Immagine 5">
+            <a:extLst>
+              <a:ext uri="{FF2B5EF4-FFF2-40B4-BE49-F238E27FC236}">
+                <a16:creationId xmlns:a16="http://schemas.microsoft.com/office/drawing/2014/main" id="{9DC2A5E3-7E54-4901-B4ED-0E85911337A5}"/>
+              </a:ext>
+            </a:extLst>
+          </p:cNvPr>
+          <p:cNvPicPr>
+            <a:picLocks noChangeAspect="1"/>
+          </p:cNvPicPr>
+          <p:nvPr/>
+        </p:nvPicPr>
+        <p:blipFill>
+          <a:blip r:embed="rId3">
+            <a:extLst>
+              <a:ext uri="{28A0092B-C50C-407E-A947-70E740481C1C}">
+                <a14:useLocalDpi xmlns:a14="http://schemas.microsoft.com/office/drawing/2010/main" val="0"/>
+              </a:ext>
+            </a:extLst>
+          </a:blip>
+          <a:stretch>
+            <a:fillRect/>
+          </a:stretch>
+        </p:blipFill>
+        <p:spPr>
+          <a:xfrm>
+            <a:off x="5570599" y="2793091"/>
+            <a:ext cx="1050801" cy="1271818"/>
+          </a:xfrm>
+          <a:prstGeom prst="rect">
+            <a:avLst/>
+          </a:prstGeom>
+        </p:spPr>
+      </p:pic>
+      <p:sp>
+        <p:nvSpPr>
+          <p:cNvPr id="7" name="CasellaDiTesto 6">
+            <a:extLst>
+              <a:ext uri="{FF2B5EF4-FFF2-40B4-BE49-F238E27FC236}">
+                <a16:creationId xmlns:a16="http://schemas.microsoft.com/office/drawing/2014/main" id="{D12148E9-6B94-4F4F-8818-2B4E627BA17B}"/>
+              </a:ext>
+            </a:extLst>
+          </p:cNvPr>
+          <p:cNvSpPr txBox="1"/>
+          <p:nvPr/>
+        </p:nvSpPr>
+        <p:spPr>
+          <a:xfrm>
+            <a:off x="1064658" y="4613493"/>
+            <a:ext cx="10062683" cy="369332"/>
+          </a:xfrm>
+          <a:prstGeom prst="rect">
+            <a:avLst/>
+          </a:prstGeom>
+          <a:noFill/>
+        </p:spPr>
+        <p:txBody>
+          <a:bodyPr wrap="square" rtlCol="0">
+            <a:spAutoFit/>
+          </a:bodyPr>
+          <a:lstStyle/>
+          <a:p>
+            <a:r>
+              <a:rPr lang="it-IT" b="1" dirty="0"/>
+              <a:t>Afeltra Angelo		Amato Adriano		Fucile Andrea		Rapa Giovanni</a:t>
+            </a:r>
+            <a:endParaRPr lang="it-IT" dirty="0"/>
+          </a:p>
+        </p:txBody>
+      </p:sp>
+    </p:spTree>
+    <p:extLst>
+      <p:ext uri="{BB962C8B-B14F-4D97-AF65-F5344CB8AC3E}">
+        <p14:creationId xmlns:p14="http://schemas.microsoft.com/office/powerpoint/2010/main" val="1367055293"/>
       </p:ext>
     </p:extLst>
   </p:cSld>
@@ -5458,7 +5842,7 @@
           <a:p>
             <a:r>
               <a:rPr lang="it-IT" dirty="0"/>
-              <a:t>Per velocizzare lo sviluppo del sistema, e anticipare i possibili cambiamenti del sistema abbiamo utilizzato due Design Patterns:</a:t>
+              <a:t>Per velocizzare lo sviluppo del sistema, e anticipare i possibili cambiamenti di esso abbiamo utilizzato due Design Patterns:</a:t>
             </a:r>
           </a:p>
         </p:txBody>
@@ -5777,6 +6161,275 @@
           </a:prstGeom>
         </p:spPr>
       </p:pic>
+      <p:sp>
+        <p:nvSpPr>
+          <p:cNvPr id="2" name="CasellaDiTesto 1">
+            <a:extLst>
+              <a:ext uri="{FF2B5EF4-FFF2-40B4-BE49-F238E27FC236}">
+                <a16:creationId xmlns:a16="http://schemas.microsoft.com/office/drawing/2014/main" id="{71B6CE8F-E05F-4C19-BDCB-3AD3B1DBBBAE}"/>
+              </a:ext>
+            </a:extLst>
+          </p:cNvPr>
+          <p:cNvSpPr txBox="1"/>
+          <p:nvPr/>
+        </p:nvSpPr>
+        <p:spPr>
+          <a:xfrm>
+            <a:off x="4627984" y="497632"/>
+            <a:ext cx="6064898" cy="923330"/>
+          </a:xfrm>
+          <a:prstGeom prst="rect">
+            <a:avLst/>
+          </a:prstGeom>
+          <a:noFill/>
+        </p:spPr>
+        <p:txBody>
+          <a:bodyPr wrap="square" rtlCol="0">
+            <a:spAutoFit/>
+          </a:bodyPr>
+          <a:lstStyle/>
+          <a:p>
+            <a:r>
+              <a:rPr lang="it-IT" dirty="0"/>
+              <a:t>L’obiettivo che ci siamo posti con il testing è quello di coprire i requisiti funzionali individuati nel RAD in modo da offrire un sistema funzionale all’utente finale.</a:t>
+            </a:r>
+          </a:p>
+        </p:txBody>
+      </p:sp>
+      <p:sp>
+        <p:nvSpPr>
+          <p:cNvPr id="6" name="CasellaDiTesto 5">
+            <a:extLst>
+              <a:ext uri="{FF2B5EF4-FFF2-40B4-BE49-F238E27FC236}">
+                <a16:creationId xmlns:a16="http://schemas.microsoft.com/office/drawing/2014/main" id="{45E6542B-0BA2-4A42-8F41-5E193723DD76}"/>
+              </a:ext>
+            </a:extLst>
+          </p:cNvPr>
+          <p:cNvSpPr txBox="1"/>
+          <p:nvPr/>
+        </p:nvSpPr>
+        <p:spPr>
+          <a:xfrm>
+            <a:off x="2686397" y="1483974"/>
+            <a:ext cx="3148919" cy="371768"/>
+          </a:xfrm>
+          <a:prstGeom prst="rect">
+            <a:avLst/>
+          </a:prstGeom>
+          <a:noFill/>
+        </p:spPr>
+        <p:txBody>
+          <a:bodyPr wrap="square">
+            <a:spAutoFit/>
+          </a:bodyPr>
+          <a:lstStyle/>
+          <a:p>
+            <a:pPr lvl="0">
+              <a:lnSpc>
+                <a:spcPct val="107000"/>
+              </a:lnSpc>
+              <a:buClr>
+                <a:srgbClr val="000000"/>
+              </a:buClr>
+            </a:pPr>
+            <a:r>
+              <a:rPr lang="it-IT" sz="1800" dirty="0">
+                <a:effectLst/>
+                <a:latin typeface="+mj-lt"/>
+                <a:ea typeface="Calibri" panose="020F0502020204030204" pitchFamily="34" charset="0"/>
+              </a:rPr>
+              <a:t>Alcuni requisiti testati sono:</a:t>
+            </a:r>
+          </a:p>
+        </p:txBody>
+      </p:sp>
+      <p:sp>
+        <p:nvSpPr>
+          <p:cNvPr id="4" name="CasellaDiTesto 3">
+            <a:extLst>
+              <a:ext uri="{FF2B5EF4-FFF2-40B4-BE49-F238E27FC236}">
+                <a16:creationId xmlns:a16="http://schemas.microsoft.com/office/drawing/2014/main" id="{617AE1F0-5ECB-46AB-B785-CBC6E046D296}"/>
+              </a:ext>
+            </a:extLst>
+          </p:cNvPr>
+          <p:cNvSpPr txBox="1"/>
+          <p:nvPr/>
+        </p:nvSpPr>
+        <p:spPr>
+          <a:xfrm>
+            <a:off x="4356933" y="2891967"/>
+            <a:ext cx="2969794" cy="369332"/>
+          </a:xfrm>
+          <a:prstGeom prst="rect">
+            <a:avLst/>
+          </a:prstGeom>
+          <a:noFill/>
+        </p:spPr>
+        <p:txBody>
+          <a:bodyPr wrap="square" rtlCol="0">
+            <a:spAutoFit/>
+          </a:bodyPr>
+          <a:lstStyle/>
+          <a:p>
+            <a:r>
+              <a:rPr lang="it-IT" dirty="0"/>
+              <a:t>Eliminazione prenotazione</a:t>
+            </a:r>
+          </a:p>
+        </p:txBody>
+      </p:sp>
+      <p:sp>
+        <p:nvSpPr>
+          <p:cNvPr id="7" name="CasellaDiTesto 6">
+            <a:extLst>
+              <a:ext uri="{FF2B5EF4-FFF2-40B4-BE49-F238E27FC236}">
+                <a16:creationId xmlns:a16="http://schemas.microsoft.com/office/drawing/2014/main" id="{8962EEE9-E600-49CE-88BF-E6C42DD299E7}"/>
+              </a:ext>
+            </a:extLst>
+          </p:cNvPr>
+          <p:cNvSpPr txBox="1"/>
+          <p:nvPr/>
+        </p:nvSpPr>
+        <p:spPr>
+          <a:xfrm>
+            <a:off x="4835018" y="3593528"/>
+            <a:ext cx="2825415" cy="369332"/>
+          </a:xfrm>
+          <a:prstGeom prst="rect">
+            <a:avLst/>
+          </a:prstGeom>
+          <a:noFill/>
+        </p:spPr>
+        <p:txBody>
+          <a:bodyPr wrap="square" rtlCol="0">
+            <a:spAutoFit/>
+          </a:bodyPr>
+          <a:lstStyle/>
+          <a:p>
+            <a:r>
+              <a:rPr lang="it-IT" dirty="0"/>
+              <a:t>Validazione prenotazione</a:t>
+            </a:r>
+          </a:p>
+        </p:txBody>
+      </p:sp>
+      <p:sp>
+        <p:nvSpPr>
+          <p:cNvPr id="11" name="CasellaDiTesto 10">
+            <a:extLst>
+              <a:ext uri="{FF2B5EF4-FFF2-40B4-BE49-F238E27FC236}">
+                <a16:creationId xmlns:a16="http://schemas.microsoft.com/office/drawing/2014/main" id="{AAFF4AE8-DAA2-4E4D-ACFF-18B4DB876216}"/>
+              </a:ext>
+            </a:extLst>
+          </p:cNvPr>
+          <p:cNvSpPr txBox="1"/>
+          <p:nvPr/>
+        </p:nvSpPr>
+        <p:spPr>
+          <a:xfrm>
+            <a:off x="5658186" y="4295089"/>
+            <a:ext cx="3191376" cy="369332"/>
+          </a:xfrm>
+          <a:prstGeom prst="rect">
+            <a:avLst/>
+          </a:prstGeom>
+          <a:noFill/>
+        </p:spPr>
+        <p:txBody>
+          <a:bodyPr wrap="square">
+            <a:spAutoFit/>
+          </a:bodyPr>
+          <a:lstStyle/>
+          <a:p>
+            <a:r>
+              <a:rPr lang="it-IT" dirty="0"/>
+              <a:t>Accettazione prenotazione</a:t>
+            </a:r>
+          </a:p>
+        </p:txBody>
+      </p:sp>
+      <p:sp>
+        <p:nvSpPr>
+          <p:cNvPr id="15" name="CasellaDiTesto 14">
+            <a:extLst>
+              <a:ext uri="{FF2B5EF4-FFF2-40B4-BE49-F238E27FC236}">
+                <a16:creationId xmlns:a16="http://schemas.microsoft.com/office/drawing/2014/main" id="{F36CFA0C-28EE-497F-8571-E0F9D5783CC2}"/>
+              </a:ext>
+            </a:extLst>
+          </p:cNvPr>
+          <p:cNvSpPr txBox="1"/>
+          <p:nvPr/>
+        </p:nvSpPr>
+        <p:spPr>
+          <a:xfrm>
+            <a:off x="7017418" y="4996650"/>
+            <a:ext cx="1832144" cy="369332"/>
+          </a:xfrm>
+          <a:prstGeom prst="rect">
+            <a:avLst/>
+          </a:prstGeom>
+          <a:noFill/>
+        </p:spPr>
+        <p:txBody>
+          <a:bodyPr wrap="square">
+            <a:spAutoFit/>
+          </a:bodyPr>
+          <a:lstStyle/>
+          <a:p>
+            <a:r>
+              <a:rPr lang="it-IT" dirty="0"/>
+              <a:t>Autenticazione</a:t>
+            </a:r>
+          </a:p>
+        </p:txBody>
+      </p:sp>
+      <p:sp>
+        <p:nvSpPr>
+          <p:cNvPr id="17" name="CasellaDiTesto 16">
+            <a:extLst>
+              <a:ext uri="{FF2B5EF4-FFF2-40B4-BE49-F238E27FC236}">
+                <a16:creationId xmlns:a16="http://schemas.microsoft.com/office/drawing/2014/main" id="{73E8E8B6-33DE-447F-B2C7-6807FE3DFCC7}"/>
+              </a:ext>
+            </a:extLst>
+          </p:cNvPr>
+          <p:cNvSpPr txBox="1"/>
+          <p:nvPr/>
+        </p:nvSpPr>
+        <p:spPr>
+          <a:xfrm>
+            <a:off x="3139902" y="2187970"/>
+            <a:ext cx="2602505" cy="371768"/>
+          </a:xfrm>
+          <a:prstGeom prst="rect">
+            <a:avLst/>
+          </a:prstGeom>
+          <a:noFill/>
+        </p:spPr>
+        <p:txBody>
+          <a:bodyPr wrap="square">
+            <a:spAutoFit/>
+          </a:bodyPr>
+          <a:lstStyle/>
+          <a:p>
+            <a:pPr lvl="0">
+              <a:lnSpc>
+                <a:spcPct val="107000"/>
+              </a:lnSpc>
+              <a:buClr>
+                <a:srgbClr val="000000"/>
+              </a:buClr>
+            </a:pPr>
+            <a:r>
+              <a:rPr lang="it-IT" sz="1800" dirty="0">
+                <a:effectLst/>
+                <a:latin typeface="+mj-lt"/>
+                <a:ea typeface="Calibri" panose="020F0502020204030204" pitchFamily="34" charset="0"/>
+              </a:rPr>
+              <a:t>Richiesta prenotazione</a:t>
+            </a:r>
+          </a:p>
+        </p:txBody>
+      </p:sp>
     </p:spTree>
     <p:extLst>
       <p:ext uri="{BB962C8B-B14F-4D97-AF65-F5344CB8AC3E}">
